--- a/doc/Task06/TerminArztpraxis.pptx
+++ b/doc/Task06/TerminArztpraxis.pptx
@@ -1,6 +1,6 @@
 
 <file path=ppt/presentation.xml><?xml version="1.0" encoding="utf-8"?>
-<p:presentation xmlns:a="http://schemas.openxmlformats.org/drawingml/2006/main" xmlns:r="http://schemas.openxmlformats.org/officeDocument/2006/relationships" xmlns:p="http://schemas.openxmlformats.org/presentationml/2006/main" saveSubsetFonts="1">
+<p:presentation xmlns:a="http://schemas.openxmlformats.org/drawingml/2006/main" xmlns:r="http://schemas.openxmlformats.org/officeDocument/2006/relationships" xmlns:p="http://schemas.openxmlformats.org/presentationml/2006/main" serverZoom="50684" saveSubsetFonts="1">
   <p:sldMasterIdLst>
     <p:sldMasterId id="2147483648" r:id="rId1"/>
   </p:sldMasterIdLst>
@@ -243,7 +243,7 @@
           <a:p>
             <a:fld id="{2077321B-280C-48A1-BCCC-AAC9A441E364}" type="datetimeFigureOut">
               <a:rPr lang="de-CH" smtClean="0"/>
-              <a:t>20.10.2015</a:t>
+              <a:t>29.10.2015</a:t>
             </a:fld>
             <a:endParaRPr lang="de-CH" dirty="0"/>
           </a:p>
@@ -413,7 +413,7 @@
           <a:p>
             <a:fld id="{2077321B-280C-48A1-BCCC-AAC9A441E364}" type="datetimeFigureOut">
               <a:rPr lang="de-CH" smtClean="0"/>
-              <a:t>20.10.2015</a:t>
+              <a:t>29.10.2015</a:t>
             </a:fld>
             <a:endParaRPr lang="de-CH" dirty="0"/>
           </a:p>
@@ -593,7 +593,7 @@
           <a:p>
             <a:fld id="{2077321B-280C-48A1-BCCC-AAC9A441E364}" type="datetimeFigureOut">
               <a:rPr lang="de-CH" smtClean="0"/>
-              <a:t>20.10.2015</a:t>
+              <a:t>29.10.2015</a:t>
             </a:fld>
             <a:endParaRPr lang="de-CH" dirty="0"/>
           </a:p>
@@ -763,7 +763,7 @@
           <a:p>
             <a:fld id="{2077321B-280C-48A1-BCCC-AAC9A441E364}" type="datetimeFigureOut">
               <a:rPr lang="de-CH" smtClean="0"/>
-              <a:t>20.10.2015</a:t>
+              <a:t>29.10.2015</a:t>
             </a:fld>
             <a:endParaRPr lang="de-CH" dirty="0"/>
           </a:p>
@@ -1009,7 +1009,7 @@
           <a:p>
             <a:fld id="{2077321B-280C-48A1-BCCC-AAC9A441E364}" type="datetimeFigureOut">
               <a:rPr lang="de-CH" smtClean="0"/>
-              <a:t>20.10.2015</a:t>
+              <a:t>29.10.2015</a:t>
             </a:fld>
             <a:endParaRPr lang="de-CH" dirty="0"/>
           </a:p>
@@ -1241,7 +1241,7 @@
           <a:p>
             <a:fld id="{2077321B-280C-48A1-BCCC-AAC9A441E364}" type="datetimeFigureOut">
               <a:rPr lang="de-CH" smtClean="0"/>
-              <a:t>20.10.2015</a:t>
+              <a:t>29.10.2015</a:t>
             </a:fld>
             <a:endParaRPr lang="de-CH" dirty="0"/>
           </a:p>
@@ -1608,7 +1608,7 @@
           <a:p>
             <a:fld id="{2077321B-280C-48A1-BCCC-AAC9A441E364}" type="datetimeFigureOut">
               <a:rPr lang="de-CH" smtClean="0"/>
-              <a:t>20.10.2015</a:t>
+              <a:t>29.10.2015</a:t>
             </a:fld>
             <a:endParaRPr lang="de-CH" dirty="0"/>
           </a:p>
@@ -1726,7 +1726,7 @@
           <a:p>
             <a:fld id="{2077321B-280C-48A1-BCCC-AAC9A441E364}" type="datetimeFigureOut">
               <a:rPr lang="de-CH" smtClean="0"/>
-              <a:t>20.10.2015</a:t>
+              <a:t>29.10.2015</a:t>
             </a:fld>
             <a:endParaRPr lang="de-CH" dirty="0"/>
           </a:p>
@@ -1821,7 +1821,7 @@
           <a:p>
             <a:fld id="{2077321B-280C-48A1-BCCC-AAC9A441E364}" type="datetimeFigureOut">
               <a:rPr lang="de-CH" smtClean="0"/>
-              <a:t>20.10.2015</a:t>
+              <a:t>29.10.2015</a:t>
             </a:fld>
             <a:endParaRPr lang="de-CH" dirty="0"/>
           </a:p>
@@ -2098,7 +2098,7 @@
           <a:p>
             <a:fld id="{2077321B-280C-48A1-BCCC-AAC9A441E364}" type="datetimeFigureOut">
               <a:rPr lang="de-CH" smtClean="0"/>
-              <a:t>20.10.2015</a:t>
+              <a:t>29.10.2015</a:t>
             </a:fld>
             <a:endParaRPr lang="de-CH" dirty="0"/>
           </a:p>
@@ -2351,7 +2351,7 @@
           <a:p>
             <a:fld id="{2077321B-280C-48A1-BCCC-AAC9A441E364}" type="datetimeFigureOut">
               <a:rPr lang="de-CH" smtClean="0"/>
-              <a:t>20.10.2015</a:t>
+              <a:t>29.10.2015</a:t>
             </a:fld>
             <a:endParaRPr lang="de-CH" dirty="0"/>
           </a:p>
@@ -2564,7 +2564,7 @@
           <a:p>
             <a:fld id="{2077321B-280C-48A1-BCCC-AAC9A441E364}" type="datetimeFigureOut">
               <a:rPr lang="de-CH" smtClean="0"/>
-              <a:t>20.10.2015</a:t>
+              <a:t>29.10.2015</a:t>
             </a:fld>
             <a:endParaRPr lang="de-CH" dirty="0"/>
           </a:p>
@@ -3421,8 +3421,8 @@
         </p:nvSpPr>
         <p:spPr>
           <a:xfrm>
-            <a:off x="6221778" y="2861276"/>
-            <a:ext cx="1530630" cy="272415"/>
+            <a:off x="6221778" y="2776147"/>
+            <a:ext cx="1530630" cy="442674"/>
           </a:xfrm>
           <a:prstGeom prst="roundRect">
             <a:avLst/>
@@ -3453,7 +3453,7 @@
             <a:pPr algn="ctr"/>
             <a:r>
               <a:rPr lang="de-CH" sz="1000" dirty="0" smtClean="0"/>
-              <a:t>Gegenvorschlag</a:t>
+              <a:t>Gegenvorschlag von Arztpraxis</a:t>
             </a:r>
             <a:endParaRPr lang="de-CH" sz="1000" dirty="0" smtClean="0"/>
           </a:p>
@@ -3913,8 +3913,8 @@
         </p:nvCxnSpPr>
         <p:spPr>
           <a:xfrm flipH="1">
-            <a:off x="6987092" y="3133691"/>
-            <a:ext cx="1" cy="395599"/>
+            <a:off x="6987092" y="3218821"/>
+            <a:ext cx="1" cy="310469"/>
           </a:xfrm>
           <a:prstGeom prst="straightConnector1">
             <a:avLst/>
@@ -3950,7 +3950,7 @@
         <p:spPr>
           <a:xfrm flipH="1">
             <a:off x="6987093" y="2213636"/>
-            <a:ext cx="1" cy="647640"/>
+            <a:ext cx="1" cy="562511"/>
           </a:xfrm>
           <a:prstGeom prst="straightConnector1">
             <a:avLst/>
@@ -4218,15 +4218,7 @@
           <a:p>
             <a:r>
               <a:rPr lang="de-CH" sz="1000" dirty="0" smtClean="0"/>
-              <a:t>[Termin </a:t>
-            </a:r>
-            <a:r>
-              <a:rPr lang="de-CH" sz="1000" dirty="0" smtClean="0"/>
-              <a:t>verfügbar</a:t>
-            </a:r>
-            <a:r>
-              <a:rPr lang="de-CH" sz="1000" dirty="0" smtClean="0"/>
-              <a:t>]</a:t>
+              <a:t>[Termin verfügbar]</a:t>
             </a:r>
             <a:endParaRPr lang="de-CH" sz="1000" dirty="0"/>
           </a:p>
